--- a/workflow.pptx
+++ b/workflow.pptx
@@ -3473,7 +3473,7 @@
       </p:sp>
       <p:sp>
         <p:nvSpPr>
-          <p:cNvPr id="127" name="Save Raw Dataset as Raw"/>
+          <p:cNvPr id="127" name="Save New Dataset as Raw"/>
           <p:cNvSpPr/>
           <p:nvPr/>
         </p:nvSpPr>
@@ -3517,7 +3517,7 @@
           <a:p>
             <a:pPr/>
             <a:r>
-              <a:t>Save Raw Dataset as Raw</a:t>
+              <a:t>Save New Dataset as Raw</a:t>
             </a:r>
           </a:p>
         </p:txBody>
